--- a/forEdits/Iter3.pptx
+++ b/forEdits/Iter3.pptx
@@ -122,6 +122,35 @@
     </p:ext>
   </p:extLst>
 </p:presentation>
+</file>
+
+<file path=ppt/changesInfos/changesInfo1.xml><?xml version="1.0" encoding="utf-8"?>
+<pc:chgInfo xmlns:a="http://schemas.openxmlformats.org/drawingml/2006/main" xmlns:r="http://schemas.openxmlformats.org/officeDocument/2006/relationships" xmlns:ac="http://schemas.microsoft.com/office/drawing/2013/main/command" xmlns:pc="http://schemas.microsoft.com/office/powerpoint/2013/main/command">
+  <pc:docChgLst>
+    <pc:chgData name="Дмитрий Малахов" userId="97d1b113da9cff97" providerId="LiveId" clId="{66E44C78-CCDE-45C7-92CC-4FB5A931582B}"/>
+    <pc:docChg chg="undo custSel modSld">
+      <pc:chgData name="Дмитрий Малахов" userId="97d1b113da9cff97" providerId="LiveId" clId="{66E44C78-CCDE-45C7-92CC-4FB5A931582B}" dt="2025-04-15T20:10:00.581" v="885" actId="20577"/>
+      <pc:docMkLst>
+        <pc:docMk/>
+      </pc:docMkLst>
+      <pc:sldChg chg="modSp mod">
+        <pc:chgData name="Дмитрий Малахов" userId="97d1b113da9cff97" providerId="LiveId" clId="{66E44C78-CCDE-45C7-92CC-4FB5A931582B}" dt="2025-04-15T20:10:00.581" v="885" actId="20577"/>
+        <pc:sldMkLst>
+          <pc:docMk/>
+          <pc:sldMk cId="4273087174" sldId="260"/>
+        </pc:sldMkLst>
+        <pc:spChg chg="mod">
+          <ac:chgData name="Дмитрий Малахов" userId="97d1b113da9cff97" providerId="LiveId" clId="{66E44C78-CCDE-45C7-92CC-4FB5A931582B}" dt="2025-04-15T20:10:00.581" v="885" actId="20577"/>
+          <ac:spMkLst>
+            <pc:docMk/>
+            <pc:sldMk cId="4273087174" sldId="260"/>
+            <ac:spMk id="3" creationId="{A2AC9DB4-8268-1B03-73FF-87CFD6C510D2}"/>
+          </ac:spMkLst>
+        </pc:spChg>
+      </pc:sldChg>
+    </pc:docChg>
+  </pc:docChgLst>
+</pc:chgInfo>
 </file>
 
 <file path=ppt/slideLayouts/slideLayout1.xml><?xml version="1.0" encoding="utf-8"?>
@@ -4051,17 +4080,7 @@
                 <a:effectLst/>
                 <a:latin typeface="DeepSeek-CJK-patch"/>
               </a:rPr>
-              <a:t>Потребности заинтересованных </a:t>
-            </a:r>
-            <a:r>
-              <a:rPr lang="ru-RU" b="1" i="0" dirty="0" smtClean="0">
-                <a:solidFill>
-                  <a:srgbClr val="404040"/>
-                </a:solidFill>
-                <a:effectLst/>
-                <a:latin typeface="DeepSeek-CJK-patch"/>
-              </a:rPr>
-              <a:t>лиц</a:t>
+              <a:t>Потребности заинтересованных лиц</a:t>
             </a:r>
             <a:endParaRPr lang="ru-RU" dirty="0"/>
           </a:p>
@@ -5934,8 +5953,24 @@
                 <a:effectLst/>
                 <a:latin typeface="DeepSeek-CJK-patch"/>
               </a:rPr>
-              <a:t>Локальные СМИ в одном месте – акцент на региональные источники, которые не всегда попадают в крупные агрегаторы</a:t>
-            </a:r>
+              <a:t>Поддержка малых СМИ и независимых издани</a:t>
+            </a:r>
+            <a:r>
+              <a:rPr lang="ru-RU" dirty="0">
+                <a:solidFill>
+                  <a:srgbClr val="404040"/>
+                </a:solidFill>
+                <a:latin typeface="DeepSeek-CJK-patch"/>
+              </a:rPr>
+              <a:t>й. Крупные агрегаторы продвигают только известные и топовые СМИ. Наша платформа даст возможность малым региональным медиа заявить о себе, предлагая инструменты для размещения и продвижения.</a:t>
+            </a:r>
+            <a:endParaRPr lang="ru-RU" i="0" dirty="0">
+              <a:solidFill>
+                <a:srgbClr val="404040"/>
+              </a:solidFill>
+              <a:effectLst/>
+              <a:latin typeface="DeepSeek-CJK-patch"/>
+            </a:endParaRPr>
           </a:p>
           <a:p>
             <a:pPr>
@@ -5949,7 +5984,22 @@
                 </a:solidFill>
                 <a:latin typeface="DeepSeek-CJK-patch"/>
               </a:rPr>
-              <a:t>Удобный поиск по ключевым словам</a:t>
+              <a:t>Расширенный и удобный поиск по ключевым словам. Простой, но гибкий поиск(например, по тегам, локациям, датам), чтобы пользователи находили нужные новости.</a:t>
+            </a:r>
+          </a:p>
+          <a:p>
+            <a:pPr>
+              <a:buFont typeface="Arial" panose="020B0604020202020204" pitchFamily="34" charset="0"/>
+              <a:buChar char="•"/>
+            </a:pPr>
+            <a:r>
+              <a:rPr lang="ru-RU" dirty="0">
+                <a:solidFill>
+                  <a:srgbClr val="404040"/>
+                </a:solidFill>
+                <a:latin typeface="DeepSeek-CJK-patch"/>
+              </a:rPr>
+              <a:t>Глубокая персонализация по геолокации. Автоматическая настройка ленты на основе местоположения пользователя, делая акцент на близких для него событиях.</a:t>
             </a:r>
           </a:p>
         </p:txBody>
